--- a/tutorials/tensorflow/intro_to_tensorflow_slides.pptx
+++ b/tutorials/tensorflow/intro_to_tensorflow_slides.pptx
@@ -265,7 +265,7 @@
             <a:fld id="{1D8BD707-D9CF-40AE-B4C6-C98DA3205C09}" type="datetimeFigureOut">
               <a:rPr lang="en-US"/>
               <a:pPr/>
-              <a:t>22-Mar-19</a:t>
+              <a:t>23-Mar-19</a:t>
             </a:fld>
             <a:endParaRPr lang="en-US"/>
           </a:p>
@@ -445,7 +445,7 @@
             <a:fld id="{1D8BD707-D9CF-40AE-B4C6-C98DA3205C09}" type="datetimeFigureOut">
               <a:rPr lang="en-US"/>
               <a:pPr/>
-              <a:t>22-Mar-19</a:t>
+              <a:t>23-Mar-19</a:t>
             </a:fld>
             <a:endParaRPr lang="en-US"/>
           </a:p>
@@ -662,7 +662,7 @@
             <a:fld id="{1D8BD707-D9CF-40AE-B4C6-C98DA3205C09}" type="datetimeFigureOut">
               <a:rPr lang="en-US"/>
               <a:pPr/>
-              <a:t>22-Mar-19</a:t>
+              <a:t>23-Mar-19</a:t>
             </a:fld>
             <a:endParaRPr lang="en-US"/>
           </a:p>
@@ -813,7 +813,7 @@
             <a:fld id="{1D8BD707-D9CF-40AE-B4C6-C98DA3205C09}" type="datetimeFigureOut">
               <a:rPr lang="en-US"/>
               <a:pPr/>
-              <a:t>22-Mar-19</a:t>
+              <a:t>23-Mar-19</a:t>
             </a:fld>
             <a:endParaRPr lang="en-US"/>
           </a:p>
@@ -964,7 +964,7 @@
             <a:fld id="{1D8BD707-D9CF-40AE-B4C6-C98DA3205C09}" type="datetimeFigureOut">
               <a:rPr lang="en-US"/>
               <a:pPr/>
-              <a:t>22-Mar-19</a:t>
+              <a:t>23-Mar-19</a:t>
             </a:fld>
             <a:endParaRPr lang="en-US"/>
           </a:p>
@@ -1194,7 +1194,7 @@
             <a:fld id="{1D8BD707-D9CF-40AE-B4C6-C98DA3205C09}" type="datetimeFigureOut">
               <a:rPr lang="en-US"/>
               <a:pPr/>
-              <a:t>22-Mar-19</a:t>
+              <a:t>23-Mar-19</a:t>
             </a:fld>
             <a:endParaRPr lang="en-US"/>
           </a:p>
@@ -1674,7 +1674,7 @@
         <p:spPr>
           <a:xfrm>
             <a:off x="1981200" y="3238500"/>
-            <a:ext cx="15011400" cy="3693319"/>
+            <a:ext cx="15011400" cy="4431983"/>
           </a:xfrm>
         </p:spPr>
         <p:txBody>
@@ -1717,9 +1717,55 @@
             </a:pPr>
             <a:r>
               <a:rPr lang="en-US" sz="4800" dirty="0" smtClean="0"/>
-              <a:t> Simplified APIs</a:t>
-            </a:r>
-            <a:endParaRPr lang="en-US" sz="4800" dirty="0"/>
+              <a:t> Simplified </a:t>
+            </a:r>
+            <a:r>
+              <a:rPr lang="en-US" sz="4800" dirty="0" smtClean="0"/>
+              <a:t>APIs</a:t>
+            </a:r>
+          </a:p>
+          <a:p>
+            <a:pPr>
+              <a:buFont typeface="Arial" pitchFamily="34" charset="0"/>
+              <a:buChar char="•"/>
+            </a:pPr>
+            <a:r>
+              <a:rPr lang="en-US" sz="4800" b="1" dirty="0" err="1" smtClean="0">
+                <a:solidFill>
+                  <a:schemeClr val="accent6">
+                    <a:lumMod val="75000"/>
+                  </a:schemeClr>
+                </a:solidFill>
+              </a:rPr>
+              <a:t>Tensorflow</a:t>
+            </a:r>
+            <a:r>
+              <a:rPr lang="en-US" sz="4800" b="1" dirty="0" smtClean="0">
+                <a:solidFill>
+                  <a:schemeClr val="accent6">
+                    <a:lumMod val="75000"/>
+                  </a:schemeClr>
+                </a:solidFill>
+              </a:rPr>
+              <a:t> datasets</a:t>
+            </a:r>
+            <a:r>
+              <a:rPr lang="en-US" sz="4800" dirty="0" smtClean="0">
+                <a:solidFill>
+                  <a:schemeClr val="accent6">
+                    <a:lumMod val="75000"/>
+                  </a:schemeClr>
+                </a:solidFill>
+              </a:rPr>
+              <a:t>: </a:t>
+            </a:r>
+            <a:endParaRPr lang="en-US" sz="4800" dirty="0">
+              <a:solidFill>
+                <a:schemeClr val="accent6">
+                  <a:lumMod val="75000"/>
+                </a:schemeClr>
+              </a:solidFill>
+            </a:endParaRPr>
           </a:p>
         </p:txBody>
       </p:sp>
@@ -1818,17 +1864,7 @@
                   </a:schemeClr>
                 </a:solidFill>
               </a:rPr>
-              <a:t>that </a:t>
-            </a:r>
-            <a:r>
-              <a:rPr lang="en-US" smtClean="0">
-                <a:solidFill>
-                  <a:schemeClr val="accent6">
-                    <a:lumMod val="75000"/>
-                  </a:schemeClr>
-                </a:solidFill>
-              </a:rPr>
-              <a:t>supports </a:t>
+              <a:t>that supports </a:t>
             </a:r>
             <a:r>
               <a:rPr lang="en-US" dirty="0" smtClean="0">
